--- a/Document/新規トラップ案 1.pptx
+++ b/Document/新規トラップ案 1.pptx
@@ -6218,8 +6218,8 @@
         </p:nvSpPr>
         <p:spPr>
           <a:xfrm>
-            <a:off x="80303" y="69484"/>
-            <a:ext cx="11694695" cy="7571303"/>
+            <a:off x="0" y="0"/>
+            <a:ext cx="12192000" cy="6858000"/>
           </a:xfrm>
           <a:prstGeom prst="rect">
             <a:avLst/>
@@ -6227,14 +6227,11 @@
           <a:noFill/>
         </p:spPr>
         <p:txBody>
-          <a:bodyPr wrap="square" rtlCol="0">
-            <a:spAutoFit/>
+          <a:bodyPr wrap="none" rtlCol="0">
+            <a:noAutofit/>
           </a:bodyPr>
           <a:lstStyle/>
           <a:p>
-            <a:endParaRPr lang="en-US" altLang="ja-JP" dirty="0"/>
-          </a:p>
-          <a:p>
             <a:r>
               <a:rPr kumimoji="1" lang="ja-JP" altLang="en-US" dirty="0"/>
               <a:t>タイムとスコアについて</a:t>
@@ -6536,12 +6533,6 @@
               <a:rPr lang="en-US" altLang="ja-JP" dirty="0"/>
               <a:t>	</a:t>
             </a:r>
-          </a:p>
-          <a:p>
-            <a:endParaRPr lang="en-US" altLang="ja-JP" dirty="0"/>
-          </a:p>
-          <a:p>
-            <a:endParaRPr kumimoji="1" lang="en-US" altLang="ja-JP" dirty="0"/>
           </a:p>
         </p:txBody>
       </p:sp>
@@ -6594,16 +6585,15 @@
           </p:cNvPicPr>
           <p:nvPr/>
         </p:nvPicPr>
-        <p:blipFill>
+        <p:blipFill rotWithShape="1">
           <a:blip r:embed="rId2"/>
-          <a:stretch>
-            <a:fillRect/>
-          </a:stretch>
+          <a:srcRect r="15403"/>
+          <a:stretch/>
         </p:blipFill>
         <p:spPr>
           <a:xfrm>
-            <a:off x="4460917" y="2141622"/>
-            <a:ext cx="9018623" cy="4582633"/>
+            <a:off x="4562517" y="2275367"/>
+            <a:ext cx="7629483" cy="4582633"/>
           </a:xfrm>
           <a:prstGeom prst="rect">
             <a:avLst/>

--- a/Document/新規トラップ案 1.pptx
+++ b/Document/新規トラップ案 1.pptx
@@ -6218,8 +6218,8 @@
         </p:nvSpPr>
         <p:spPr>
           <a:xfrm>
-            <a:off x="0" y="0"/>
-            <a:ext cx="12192000" cy="6858000"/>
+            <a:off x="80303" y="69484"/>
+            <a:ext cx="11694695" cy="7571303"/>
           </a:xfrm>
           <a:prstGeom prst="rect">
             <a:avLst/>
@@ -6227,11 +6227,14 @@
           <a:noFill/>
         </p:spPr>
         <p:txBody>
-          <a:bodyPr wrap="none" rtlCol="0">
-            <a:noAutofit/>
+          <a:bodyPr wrap="square" rtlCol="0">
+            <a:spAutoFit/>
           </a:bodyPr>
           <a:lstStyle/>
           <a:p>
+            <a:endParaRPr lang="en-US" altLang="ja-JP" dirty="0"/>
+          </a:p>
+          <a:p>
             <a:r>
               <a:rPr kumimoji="1" lang="ja-JP" altLang="en-US" dirty="0"/>
               <a:t>タイムとスコアについて</a:t>
@@ -6533,6 +6536,12 @@
               <a:rPr lang="en-US" altLang="ja-JP" dirty="0"/>
               <a:t>	</a:t>
             </a:r>
+          </a:p>
+          <a:p>
+            <a:endParaRPr lang="en-US" altLang="ja-JP" dirty="0"/>
+          </a:p>
+          <a:p>
+            <a:endParaRPr kumimoji="1" lang="en-US" altLang="ja-JP" dirty="0"/>
           </a:p>
         </p:txBody>
       </p:sp>
@@ -6585,15 +6594,16 @@
           </p:cNvPicPr>
           <p:nvPr/>
         </p:nvPicPr>
-        <p:blipFill rotWithShape="1">
+        <p:blipFill>
           <a:blip r:embed="rId2"/>
-          <a:srcRect r="15403"/>
-          <a:stretch/>
+          <a:stretch>
+            <a:fillRect/>
+          </a:stretch>
         </p:blipFill>
         <p:spPr>
           <a:xfrm>
-            <a:off x="4562517" y="2275367"/>
-            <a:ext cx="7629483" cy="4582633"/>
+            <a:off x="4460917" y="2141622"/>
+            <a:ext cx="9018623" cy="4582633"/>
           </a:xfrm>
           <a:prstGeom prst="rect">
             <a:avLst/>

--- a/Document/新規トラップ案 1.pptx
+++ b/Document/新規トラップ案 1.pptx
@@ -119,6 +119,18 @@
     </p:ext>
   </p:extLst>
 </p:presentation>
+</file>
+
+<file path=ppt/commentAuthors.xml><?xml version="1.0" encoding="utf-8"?>
+<p:cmAuthorLst xmlns:a="http://schemas.openxmlformats.org/drawingml/2006/main" xmlns:r="http://schemas.openxmlformats.org/officeDocument/2006/relationships" xmlns:p="http://schemas.openxmlformats.org/presentationml/2006/main">
+  <p:cmAuthor id="1" name="student" initials="s" lastIdx="1" clrIdx="0">
+    <p:extLst>
+      <p:ext uri="{19B8F6BF-5375-455C-9EA6-DF929625EA0E}">
+        <p15:presenceInfo xmlns:p15="http://schemas.microsoft.com/office/powerpoint/2012/main" userId="student" providerId="None"/>
+      </p:ext>
+    </p:extLst>
+  </p:cmAuthor>
+</p:cmAuthorLst>
 </file>
 
 <file path=ppt/ink/ink1.xml><?xml version="1.0" encoding="utf-8"?>
@@ -6045,8 +6057,8 @@
         </p:nvSpPr>
         <p:spPr>
           <a:xfrm>
-            <a:off x="1158949" y="542260"/>
-            <a:ext cx="9282223" cy="5078313"/>
+            <a:off x="0" y="0"/>
+            <a:ext cx="12191999" cy="6858000"/>
           </a:xfrm>
           <a:prstGeom prst="rect">
             <a:avLst/>
@@ -6055,7 +6067,7 @@
         </p:spPr>
         <p:txBody>
           <a:bodyPr wrap="square" rtlCol="0">
-            <a:spAutoFit/>
+            <a:noAutofit/>
           </a:bodyPr>
           <a:lstStyle/>
           <a:p>
@@ -6070,13 +6082,12 @@
               <a:rPr kumimoji="1" lang="ja-JP" altLang="en-US" dirty="0"/>
               <a:t>メッセージはプレイヤーの心に刺さるようなメタ的内容にし、初回は固定のメッセージで、それ以降はランダムなメッセージを５回ゲームオーバー毎に表示する。</a:t>
             </a:r>
+            <a:endParaRPr lang="en-US" altLang="ja-JP" dirty="0"/>
+          </a:p>
+          <a:p>
             <a:endParaRPr kumimoji="1" lang="en-US" altLang="ja-JP" dirty="0"/>
           </a:p>
           <a:p>
-            <a:endParaRPr lang="en-US" altLang="ja-JP" dirty="0"/>
-          </a:p>
-          <a:p>
-            <a:pPr algn="ctr"/>
             <a:r>
               <a:rPr kumimoji="1" lang="ja-JP" altLang="en-US" dirty="0"/>
               <a:t>内容：</a:t>
@@ -6088,7 +6099,6 @@
             <a:endParaRPr lang="en-US" altLang="ja-JP" dirty="0"/>
           </a:p>
           <a:p>
-            <a:pPr algn="ctr"/>
             <a:r>
               <a:rPr lang="ja-JP" altLang="en-US" dirty="0"/>
               <a:t>他メッセージ：・「君は毎回死んでいるキャラの気持ちを考えたことはあるかい？」</a:t>
@@ -6218,8 +6228,8 @@
         </p:nvSpPr>
         <p:spPr>
           <a:xfrm>
-            <a:off x="80303" y="69484"/>
-            <a:ext cx="11694695" cy="7571303"/>
+            <a:off x="0" y="1"/>
+            <a:ext cx="12192000" cy="6858000"/>
           </a:xfrm>
           <a:prstGeom prst="rect">
             <a:avLst/>
@@ -6228,13 +6238,10 @@
         </p:spPr>
         <p:txBody>
           <a:bodyPr wrap="square" rtlCol="0">
-            <a:spAutoFit/>
+            <a:noAutofit/>
           </a:bodyPr>
           <a:lstStyle/>
           <a:p>
-            <a:endParaRPr lang="en-US" altLang="ja-JP" dirty="0"/>
-          </a:p>
-          <a:p>
             <a:r>
               <a:rPr kumimoji="1" lang="ja-JP" altLang="en-US" dirty="0"/>
               <a:t>タイムとスコアについて</a:t>
@@ -6542,41 +6549,6 @@
           </a:p>
           <a:p>
             <a:endParaRPr kumimoji="1" lang="en-US" altLang="ja-JP" dirty="0"/>
-          </a:p>
-        </p:txBody>
-      </p:sp>
-      <p:sp>
-        <p:nvSpPr>
-          <p:cNvPr id="3" name="テキスト ボックス 2">
-            <a:extLst>
-              <a:ext uri="{FF2B5EF4-FFF2-40B4-BE49-F238E27FC236}">
-                <a16:creationId xmlns:a16="http://schemas.microsoft.com/office/drawing/2014/main" id="{ADF6D381-B751-4D93-A8BA-CC5146E11992}"/>
-              </a:ext>
-            </a:extLst>
-          </p:cNvPr>
-          <p:cNvSpPr txBox="1"/>
-          <p:nvPr/>
-        </p:nvSpPr>
-        <p:spPr>
-          <a:xfrm>
-            <a:off x="3319471" y="4716378"/>
-            <a:ext cx="8542421" cy="646331"/>
-          </a:xfrm>
-          <a:prstGeom prst="rect">
-            <a:avLst/>
-          </a:prstGeom>
-          <a:noFill/>
-        </p:spPr>
-        <p:txBody>
-          <a:bodyPr wrap="square" rtlCol="0">
-            <a:spAutoFit/>
-          </a:bodyPr>
-          <a:lstStyle/>
-          <a:p>
-            <a:endParaRPr kumimoji="1" lang="en-US" altLang="ja-JP" dirty="0"/>
-          </a:p>
-          <a:p>
-            <a:endParaRPr kumimoji="1" lang="ja-JP" altLang="en-US" dirty="0"/>
           </a:p>
         </p:txBody>
       </p:sp>
@@ -6594,16 +6566,15 @@
           </p:cNvPicPr>
           <p:nvPr/>
         </p:nvPicPr>
-        <p:blipFill>
+        <p:blipFill rotWithShape="1">
           <a:blip r:embed="rId2"/>
-          <a:stretch>
-            <a:fillRect/>
-          </a:stretch>
+          <a:srcRect r="15483"/>
+          <a:stretch/>
         </p:blipFill>
         <p:spPr>
           <a:xfrm>
-            <a:off x="4460917" y="2141622"/>
-            <a:ext cx="9018623" cy="4582633"/>
+            <a:off x="4569774" y="2275367"/>
+            <a:ext cx="7622226" cy="4582633"/>
           </a:xfrm>
           <a:prstGeom prst="rect">
             <a:avLst/>
@@ -6654,8 +6625,8 @@
         </p:nvSpPr>
         <p:spPr>
           <a:xfrm>
-            <a:off x="415159" y="528145"/>
-            <a:ext cx="11776841" cy="4801314"/>
+            <a:off x="0" y="0"/>
+            <a:ext cx="12192000" cy="6858000"/>
           </a:xfrm>
           <a:prstGeom prst="rect">
             <a:avLst/>
@@ -6664,7 +6635,7 @@
         </p:spPr>
         <p:txBody>
           <a:bodyPr wrap="square" rtlCol="0">
-            <a:spAutoFit/>
+            <a:noAutofit/>
           </a:bodyPr>
           <a:lstStyle/>
           <a:p>
@@ -6808,7 +6779,7 @@
         </p:blipFill>
         <p:spPr>
           <a:xfrm>
-            <a:off x="5366443" y="1135334"/>
+            <a:off x="5710656" y="1214163"/>
             <a:ext cx="6481344" cy="5643837"/>
           </a:xfrm>
           <a:prstGeom prst="rect">
@@ -13317,6 +13288,7 @@
           <a:bodyPr rtlCol="0" anchor="ctr"/>
           <a:lstStyle/>
           <a:p>
+            <a:pPr algn="ctr"/>
             <a:r>
               <a:rPr lang="ja-JP" altLang="en-US" dirty="0"/>
               <a:t>リトライ</a:t>
@@ -13377,6 +13349,7 @@
           <a:bodyPr rtlCol="0" anchor="ctr"/>
           <a:lstStyle/>
           <a:p>
+            <a:pPr algn="ctr"/>
             <a:r>
               <a:rPr lang="ja-JP" altLang="en-US" dirty="0"/>
               <a:t>タイトルへ</a:t>
@@ -14131,8 +14104,8 @@
         </p:nvSpPr>
         <p:spPr>
           <a:xfrm>
-            <a:off x="345181" y="73536"/>
-            <a:ext cx="6251028" cy="369332"/>
+            <a:off x="0" y="0"/>
+            <a:ext cx="2492990" cy="369332"/>
           </a:xfrm>
           <a:prstGeom prst="rect">
             <a:avLst/>
@@ -14140,16 +14113,16 @@
           <a:noFill/>
         </p:spPr>
         <p:txBody>
-          <a:bodyPr wrap="square" rtlCol="0">
+          <a:bodyPr wrap="none" rtlCol="0">
             <a:spAutoFit/>
           </a:bodyPr>
           <a:lstStyle/>
           <a:p>
             <a:r>
-              <a:rPr kumimoji="1" lang="ja-JP" altLang="en-US" dirty="0"/>
+              <a:rPr kumimoji="1" lang="ja-JP" altLang="en-US" b="1" dirty="0"/>
               <a:t>リザルト画面について</a:t>
             </a:r>
-            <a:endParaRPr kumimoji="1" lang="en-US" altLang="ja-JP" dirty="0"/>
+            <a:endParaRPr kumimoji="1" lang="en-US" altLang="ja-JP" b="1" dirty="0"/>
           </a:p>
         </p:txBody>
       </p:sp>
@@ -14167,8 +14140,8 @@
         </p:nvSpPr>
         <p:spPr>
           <a:xfrm>
-            <a:off x="220549" y="301960"/>
-            <a:ext cx="10838794" cy="1200329"/>
+            <a:off x="676603" y="301960"/>
+            <a:ext cx="10838794" cy="923330"/>
           </a:xfrm>
           <a:prstGeom prst="rect">
             <a:avLst/>
@@ -14191,7 +14164,14 @@
             </a:r>
             <a:r>
               <a:rPr kumimoji="1" lang="ja-JP" altLang="en-US" dirty="0"/>
-              <a:t>クリア演出後２秒経過後に遷移するリザルト画面では、ランク・それに応じた一言メッセージ・クリアタイムを表示したい。　</a:t>
+              <a:t>クリア演出後２秒経過後に遷移するリザルト画面では、</a:t>
+            </a:r>
+            <a:endParaRPr kumimoji="1" lang="en-US" altLang="ja-JP" dirty="0"/>
+          </a:p>
+          <a:p>
+            <a:r>
+              <a:rPr kumimoji="1" lang="ja-JP" altLang="en-US" dirty="0"/>
+              <a:t>ランク・それに応じた一言メッセージ・クリアタイムを表示したい。　</a:t>
             </a:r>
             <a:r>
               <a:rPr kumimoji="1" lang="en-US" altLang="ja-JP" dirty="0"/>
@@ -14210,12 +14190,20 @@
             </a:r>
             <a:r>
               <a:rPr lang="ja-JP" altLang="en-US" dirty="0"/>
-              <a:t>画面と同じく、文字をアニメーションをランダムで表示したい。（バリエーションも同）</a:t>
-            </a:r>
-            <a:endParaRPr lang="en-US" altLang="ja-JP" dirty="0"/>
-          </a:p>
-          <a:p>
-            <a:endParaRPr lang="en-US" altLang="ja-JP" dirty="0"/>
+              <a:t>画面と同じく、文字をアニメーションをランダムで表示したい。</a:t>
+            </a:r>
+            <a:r>
+              <a:rPr lang="en-US" altLang="ja-JP" dirty="0"/>
+              <a:t>(</a:t>
+            </a:r>
+            <a:r>
+              <a:rPr lang="ja-JP" altLang="en-US" dirty="0"/>
+              <a:t>バリエーションも同じ</a:t>
+            </a:r>
+            <a:r>
+              <a:rPr lang="en-US" altLang="ja-JP" dirty="0"/>
+              <a:t>)</a:t>
+            </a:r>
           </a:p>
         </p:txBody>
       </p:sp>
@@ -14280,8 +14268,8 @@
         </p:nvSpPr>
         <p:spPr>
           <a:xfrm>
-            <a:off x="3571132" y="1682297"/>
-            <a:ext cx="9522372" cy="1323439"/>
+            <a:off x="3849231" y="1671979"/>
+            <a:ext cx="4493538" cy="1323439"/>
           </a:xfrm>
           <a:prstGeom prst="rect">
             <a:avLst/>
@@ -14289,11 +14277,12 @@
           <a:noFill/>
         </p:spPr>
         <p:txBody>
-          <a:bodyPr wrap="square" rtlCol="0">
+          <a:bodyPr wrap="none" rtlCol="0" anchor="ctr" anchorCtr="1">
             <a:spAutoFit/>
           </a:bodyPr>
           <a:lstStyle/>
           <a:p>
+            <a:pPr algn="ctr"/>
             <a:r>
               <a:rPr kumimoji="1" lang="en-US" altLang="ja-JP" sz="4800" dirty="0">
                 <a:solidFill>
@@ -14326,6 +14315,7 @@
             </a:r>
           </a:p>
           <a:p>
+            <a:pPr algn="ctr"/>
             <a:r>
               <a:rPr kumimoji="1" lang="en-US" altLang="ja-JP" sz="3200" dirty="0">
                 <a:solidFill>
@@ -14360,7 +14350,7 @@
         </p:nvSpPr>
         <p:spPr>
           <a:xfrm>
-            <a:off x="2874322" y="2929578"/>
+            <a:off x="3633537" y="2929578"/>
             <a:ext cx="4924927" cy="1754326"/>
           </a:xfrm>
           <a:prstGeom prst="rect">
@@ -14424,7 +14414,7 @@
         </p:nvSpPr>
         <p:spPr>
           <a:xfrm>
-            <a:off x="1304724" y="1932836"/>
+            <a:off x="1304724" y="1677520"/>
             <a:ext cx="2149642" cy="3502961"/>
           </a:xfrm>
           <a:prstGeom prst="rect">
@@ -14477,7 +14467,7 @@
         </p:nvSpPr>
         <p:spPr>
           <a:xfrm>
-            <a:off x="8047295" y="1932836"/>
+            <a:off x="8737634" y="1677520"/>
             <a:ext cx="2149642" cy="3502961"/>
           </a:xfrm>
           <a:prstGeom prst="rect">
@@ -14530,8 +14520,8 @@
         </p:nvSpPr>
         <p:spPr>
           <a:xfrm>
-            <a:off x="1122947" y="5713551"/>
-            <a:ext cx="9360569" cy="1554272"/>
+            <a:off x="999797" y="5750004"/>
+            <a:ext cx="4363695" cy="1107996"/>
           </a:xfrm>
           <a:prstGeom prst="rect">
             <a:avLst/>
@@ -14539,7 +14529,7 @@
           <a:noFill/>
         </p:spPr>
         <p:txBody>
-          <a:bodyPr wrap="square" rtlCol="0">
+          <a:bodyPr wrap="none" rtlCol="0">
             <a:spAutoFit/>
           </a:bodyPr>
           <a:lstStyle/>
@@ -14565,7 +14555,7 @@
             </a:r>
             <a:r>
               <a:rPr kumimoji="1" lang="ja-JP" altLang="en-US" sz="1100" dirty="0"/>
-              <a:t>あなたは天才です。　　　　　</a:t>
+              <a:t>あなたは天才です。</a:t>
             </a:r>
             <a:endParaRPr kumimoji="1" lang="en-US" altLang="ja-JP" sz="1100" dirty="0"/>
           </a:p>
@@ -14623,12 +14613,6 @@
               <a:t>ランク　出直してきてね♡</a:t>
             </a:r>
             <a:endParaRPr kumimoji="1" lang="en-US" altLang="ja-JP" sz="1100" dirty="0"/>
-          </a:p>
-          <a:p>
-            <a:endParaRPr kumimoji="1" lang="en-US" altLang="ja-JP" sz="1100" dirty="0"/>
-          </a:p>
-          <a:p>
-            <a:endParaRPr kumimoji="1" lang="ja-JP" altLang="en-US" dirty="0"/>
           </a:p>
         </p:txBody>
       </p:sp>
@@ -14646,8 +14630,8 @@
         </p:nvSpPr>
         <p:spPr>
           <a:xfrm>
-            <a:off x="5949043" y="5693342"/>
-            <a:ext cx="1877786" cy="1107996"/>
+            <a:off x="5593667" y="5750004"/>
+            <a:ext cx="1313180" cy="1107996"/>
           </a:xfrm>
           <a:prstGeom prst="rect">
             <a:avLst/>
@@ -14655,7 +14639,7 @@
           <a:noFill/>
         </p:spPr>
         <p:txBody>
-          <a:bodyPr wrap="square" rtlCol="0">
+          <a:bodyPr wrap="none" rtlCol="0">
             <a:spAutoFit/>
           </a:bodyPr>
           <a:lstStyle/>
@@ -14737,8 +14721,8 @@
         </p:nvSpPr>
         <p:spPr>
           <a:xfrm>
-            <a:off x="3454366" y="4583827"/>
-            <a:ext cx="5236031" cy="923330"/>
+            <a:off x="3763470" y="4816051"/>
+            <a:ext cx="4665060" cy="369332"/>
           </a:xfrm>
           <a:prstGeom prst="rect">
             <a:avLst/>
@@ -14746,11 +14730,12 @@
           <a:noFill/>
         </p:spPr>
         <p:txBody>
-          <a:bodyPr wrap="square" rtlCol="0">
+          <a:bodyPr wrap="none" rtlCol="0" anchor="ctr" anchorCtr="1">
             <a:spAutoFit/>
           </a:bodyPr>
           <a:lstStyle/>
           <a:p>
+            <a:pPr algn="ctr"/>
             <a:r>
               <a:rPr lang="en-US" altLang="ja-JP" dirty="0"/>
               <a:t>[</a:t>
@@ -14775,12 +14760,6 @@
               <a:rPr lang="ja-JP" altLang="en-US" dirty="0"/>
               <a:t>キーを押してください</a:t>
             </a:r>
-            <a:endParaRPr lang="en-US" altLang="ja-JP" dirty="0"/>
-          </a:p>
-          <a:p>
-            <a:endParaRPr lang="en-US" altLang="ja-JP" dirty="0"/>
-          </a:p>
-          <a:p>
             <a:endParaRPr lang="en-US" altLang="ja-JP" dirty="0"/>
           </a:p>
         </p:txBody>
@@ -14829,7 +14808,7 @@
         </p:nvSpPr>
         <p:spPr>
           <a:xfrm>
-            <a:off x="54935" y="161078"/>
+            <a:off x="27468" y="0"/>
             <a:ext cx="12137065" cy="8125301"/>
           </a:xfrm>
           <a:prstGeom prst="rect">
@@ -14867,7 +14846,7 @@
             </a:r>
             <a:r>
               <a:rPr kumimoji="1" lang="ja-JP" altLang="en-US" dirty="0"/>
-              <a:t>を流しながらキャラが上に上がった後に下に落下して消えていく。（しょぼん参照）</a:t>
+              <a:t>を流しながらキャラが上に上がった後に下に落下して消えていく。（しょぼんのアクション参照）</a:t>
             </a:r>
             <a:endParaRPr kumimoji="1" lang="en-US" altLang="ja-JP" dirty="0"/>
           </a:p>
@@ -15036,7 +15015,7 @@
         </p:blipFill>
         <p:spPr>
           <a:xfrm>
-            <a:off x="280737" y="2703934"/>
+            <a:off x="260165" y="2270847"/>
             <a:ext cx="4120014" cy="2316306"/>
           </a:xfrm>
           <a:prstGeom prst="rect">
@@ -15066,7 +15045,7 @@
         </p:blipFill>
         <p:spPr>
           <a:xfrm>
-            <a:off x="4911364" y="2145368"/>
+            <a:off x="4923642" y="1991564"/>
             <a:ext cx="4523955" cy="2874872"/>
           </a:xfrm>
           <a:prstGeom prst="rect">

--- a/Document/新規トラップ案 1.pptx
+++ b/Document/新規トラップ案 1.pptx
@@ -14989,42 +14989,6 @@
       </p:sp>
       <p:pic>
         <p:nvPicPr>
-          <p:cNvPr id="4" name="図 3">
-            <a:extLst>
-              <a:ext uri="{FF2B5EF4-FFF2-40B4-BE49-F238E27FC236}">
-                <a16:creationId xmlns:a16="http://schemas.microsoft.com/office/drawing/2014/main" id="{F1D4F288-A365-4D05-81FD-96CA39D1BBD1}"/>
-              </a:ext>
-            </a:extLst>
-          </p:cNvPr>
-          <p:cNvPicPr>
-            <a:picLocks noChangeAspect="1"/>
-          </p:cNvPicPr>
-          <p:nvPr/>
-        </p:nvPicPr>
-        <p:blipFill>
-          <a:blip r:embed="rId2">
-            <a:extLst>
-              <a:ext uri="{28A0092B-C50C-407E-A947-70E740481C1C}">
-                <a14:useLocalDpi xmlns:a14="http://schemas.microsoft.com/office/drawing/2010/main" val="0"/>
-              </a:ext>
-            </a:extLst>
-          </a:blip>
-          <a:stretch>
-            <a:fillRect/>
-          </a:stretch>
-        </p:blipFill>
-        <p:spPr>
-          <a:xfrm>
-            <a:off x="260165" y="2270847"/>
-            <a:ext cx="4120014" cy="2316306"/>
-          </a:xfrm>
-          <a:prstGeom prst="rect">
-            <a:avLst/>
-          </a:prstGeom>
-        </p:spPr>
-      </p:pic>
-      <p:pic>
-        <p:nvPicPr>
           <p:cNvPr id="8" name="図 7">
             <a:extLst>
               <a:ext uri="{FF2B5EF4-FFF2-40B4-BE49-F238E27FC236}">
@@ -15038,7 +15002,7 @@
           <p:nvPr/>
         </p:nvPicPr>
         <p:blipFill>
-          <a:blip r:embed="rId3"/>
+          <a:blip r:embed="rId2"/>
           <a:stretch>
             <a:fillRect/>
           </a:stretch>
@@ -15140,6 +15104,42 @@
           </a:fontRef>
         </p:style>
       </p:cxnSp>
+      <p:pic>
+        <p:nvPicPr>
+          <p:cNvPr id="4" name="図 3">
+            <a:extLst>
+              <a:ext uri="{FF2B5EF4-FFF2-40B4-BE49-F238E27FC236}">
+                <a16:creationId xmlns:a16="http://schemas.microsoft.com/office/drawing/2014/main" id="{F1D4F288-A365-4D05-81FD-96CA39D1BBD1}"/>
+              </a:ext>
+            </a:extLst>
+          </p:cNvPr>
+          <p:cNvPicPr>
+            <a:picLocks noChangeAspect="1"/>
+          </p:cNvPicPr>
+          <p:nvPr/>
+        </p:nvPicPr>
+        <p:blipFill>
+          <a:blip r:embed="rId3">
+            <a:extLst>
+              <a:ext uri="{28A0092B-C50C-407E-A947-70E740481C1C}">
+                <a14:useLocalDpi xmlns:a14="http://schemas.microsoft.com/office/drawing/2010/main" val="0"/>
+              </a:ext>
+            </a:extLst>
+          </a:blip>
+          <a:stretch>
+            <a:fillRect/>
+          </a:stretch>
+        </p:blipFill>
+        <p:spPr>
+          <a:xfrm>
+            <a:off x="230672" y="2157297"/>
+            <a:ext cx="4523955" cy="2543405"/>
+          </a:xfrm>
+          <a:prstGeom prst="rect">
+            <a:avLst/>
+          </a:prstGeom>
+        </p:spPr>
+      </p:pic>
     </p:spTree>
     <p:extLst>
       <p:ext uri="{BB962C8B-B14F-4D97-AF65-F5344CB8AC3E}">

--- a/Document/新規トラップ案 1.pptx
+++ b/Document/新規トラップ案 1.pptx
@@ -14446,10 +14446,18 @@
           <a:p>
             <a:pPr algn="ctr"/>
             <a:r>
-              <a:rPr kumimoji="1" lang="ja-JP" altLang="en-US" dirty="0"/>
+              <a:rPr kumimoji="1" lang="ja-JP" altLang="en-US" dirty="0">
+                <a:solidFill>
+                  <a:schemeClr val="tx1"/>
+                </a:solidFill>
+              </a:rPr>
               <a:t>キャラクター</a:t>
             </a:r>
-            <a:endParaRPr kumimoji="1" lang="en-US" altLang="ja-JP" dirty="0"/>
+            <a:endParaRPr kumimoji="1" lang="en-US" altLang="ja-JP" dirty="0">
+              <a:solidFill>
+                <a:schemeClr val="tx1"/>
+              </a:solidFill>
+            </a:endParaRPr>
           </a:p>
         </p:txBody>
       </p:sp>
@@ -14499,10 +14507,18 @@
           <a:p>
             <a:pPr algn="ctr"/>
             <a:r>
-              <a:rPr kumimoji="1" lang="ja-JP" altLang="en-US" dirty="0"/>
+              <a:rPr kumimoji="1" lang="ja-JP" altLang="en-US" dirty="0">
+                <a:solidFill>
+                  <a:schemeClr val="tx1"/>
+                </a:solidFill>
+              </a:rPr>
               <a:t>キャラクター</a:t>
             </a:r>
-            <a:endParaRPr kumimoji="1" lang="en-US" altLang="ja-JP" dirty="0"/>
+            <a:endParaRPr kumimoji="1" lang="en-US" altLang="ja-JP" dirty="0">
+              <a:solidFill>
+                <a:schemeClr val="tx1"/>
+              </a:solidFill>
+            </a:endParaRPr>
           </a:p>
         </p:txBody>
       </p:sp>
